--- a/NoMad Project.pptx
+++ b/NoMad Project.pptx
@@ -14331,6 +14331,82 @@
               <a:t>Frame_5</a:t>
             </a:r>
             <a:endParaRPr lang="en-US" sz="1600" dirty="0">
+              <a:latin typeface="Work Sans" panose="00000500000000000000" pitchFamily="50" charset="0"/>
+            </a:endParaRPr>
+          </a:p>
+        </p:txBody>
+      </p:sp>
+      <p:sp>
+        <p:nvSpPr>
+          <p:cNvPr id="6" name="Rectangle 5"/>
+          <p:cNvSpPr/>
+          <p:nvPr/>
+        </p:nvSpPr>
+        <p:spPr>
+          <a:xfrm>
+            <a:off x="5316829" y="2047741"/>
+            <a:ext cx="2678807" cy="4056845"/>
+          </a:xfrm>
+          <a:prstGeom prst="rect">
+            <a:avLst/>
+          </a:prstGeom>
+        </p:spPr>
+        <p:style>
+          <a:lnRef idx="2">
+            <a:schemeClr val="accent1"/>
+          </a:lnRef>
+          <a:fillRef idx="1">
+            <a:schemeClr val="lt1"/>
+          </a:fillRef>
+          <a:effectRef idx="0">
+            <a:schemeClr val="accent1"/>
+          </a:effectRef>
+          <a:fontRef idx="minor">
+            <a:schemeClr val="dk1"/>
+          </a:fontRef>
+        </p:style>
+        <p:txBody>
+          <a:bodyPr rtlCol="0" anchor="ctr"/>
+          <a:lstStyle/>
+          <a:p>
+            <a:pPr algn="ctr"/>
+            <a:r>
+              <a:rPr lang="en-US" dirty="0" smtClean="0">
+                <a:latin typeface="Work Sans" panose="00000500000000000000" pitchFamily="50" charset="0"/>
+              </a:rPr>
+              <a:t>Options</a:t>
+            </a:r>
+            <a:endParaRPr lang="en-US" dirty="0" smtClean="0">
+              <a:latin typeface="Work Sans" panose="00000500000000000000" pitchFamily="50" charset="0"/>
+            </a:endParaRPr>
+          </a:p>
+          <a:p>
+            <a:pPr algn="ctr"/>
+            <a:endParaRPr lang="en-US" dirty="0">
+              <a:latin typeface="Work Sans" panose="00000500000000000000" pitchFamily="50" charset="0"/>
+            </a:endParaRPr>
+          </a:p>
+          <a:p>
+            <a:pPr algn="ctr"/>
+            <a:r>
+              <a:rPr lang="en-US" dirty="0" smtClean="0">
+                <a:latin typeface="Work Sans" panose="00000500000000000000" pitchFamily="50" charset="0"/>
+              </a:rPr>
+              <a:t>Variable including </a:t>
+            </a:r>
+            <a:r>
+              <a:rPr lang="en-US" dirty="0" smtClean="0">
+                <a:latin typeface="Work Sans" panose="00000500000000000000" pitchFamily="50" charset="0"/>
+              </a:rPr>
+              <a:t>“_o” </a:t>
+            </a:r>
+            <a:r>
+              <a:rPr lang="en-US" dirty="0" smtClean="0">
+                <a:latin typeface="Work Sans" panose="00000500000000000000" pitchFamily="50" charset="0"/>
+              </a:rPr>
+              <a:t>are used for this frame.</a:t>
+            </a:r>
+            <a:endParaRPr lang="en-US" dirty="0">
               <a:latin typeface="Work Sans" panose="00000500000000000000" pitchFamily="50" charset="0"/>
             </a:endParaRPr>
           </a:p>
@@ -15175,13 +15251,7 @@
                 <a:rPr lang="en-US" smtClean="0">
                   <a:latin typeface="Work Sans" panose="00000500000000000000" pitchFamily="50" charset="0"/>
                 </a:rPr>
-                <a:t>&gt;&gt;&gt; </a:t>
-              </a:r>
-              <a:r>
-                <a:rPr lang="en-US" smtClean="0">
-                  <a:latin typeface="Work Sans" panose="00000500000000000000" pitchFamily="50" charset="0"/>
-                </a:rPr>
-                <a:t>Lay_f7</a:t>
+                <a:t>&gt;&gt;&gt; Lay_f7</a:t>
               </a:r>
               <a:endParaRPr lang="en-US" dirty="0">
                 <a:latin typeface="Work Sans" panose="00000500000000000000" pitchFamily="50" charset="0"/>

--- a/NoMad Project.pptx
+++ b/NoMad Project.pptx
@@ -9,6 +9,8 @@
     <p:sldId id="256" r:id="rId3"/>
     <p:sldId id="258" r:id="rId4"/>
     <p:sldId id="259" r:id="rId5"/>
+    <p:sldId id="260" r:id="rId6"/>
+    <p:sldId id="261" r:id="rId7"/>
   </p:sldIdLst>
   <p:sldSz cx="12192000" cy="6858000"/>
   <p:notesSz cx="6858000" cy="9144000"/>
@@ -451,7 +453,7 @@
             <a:fld id="{5923F103-BC34-4FE4-A40E-EDDEECFDA5D0}" type="datetimeFigureOut">
               <a:rPr lang="en-US" dirty="0"/>
               <a:pPr/>
-              <a:t>14-Jun-23</a:t>
+              <a:t>09-Dec-23</a:t>
             </a:fld>
             <a:endParaRPr lang="en-US" dirty="0"/>
           </a:p>
@@ -1539,7 +1541,7 @@
           <a:p>
             <a:fld id="{923A1CC3-2375-41D4-9E03-427CAF2A4C1A}" type="datetimeFigureOut">
               <a:rPr lang="en-US" dirty="0"/>
-              <a:t>14-Jun-23</a:t>
+              <a:t>09-Dec-23</a:t>
             </a:fld>
             <a:endParaRPr lang="en-US" dirty="0"/>
           </a:p>
@@ -2519,7 +2521,7 @@
           <a:p>
             <a:fld id="{AFF16868-8199-4C2C-A5B1-63AEE139F88E}" type="datetimeFigureOut">
               <a:rPr lang="en-US" dirty="0"/>
-              <a:t>14-Jun-23</a:t>
+              <a:t>09-Dec-23</a:t>
             </a:fld>
             <a:endParaRPr lang="en-US" dirty="0"/>
           </a:p>
@@ -3653,7 +3655,7 @@
           <a:p>
             <a:fld id="{AAD9FF7F-6988-44CC-821B-644E70CD2F73}" type="datetimeFigureOut">
               <a:rPr lang="en-US" dirty="0"/>
-              <a:t>14-Jun-23</a:t>
+              <a:t>09-Dec-23</a:t>
             </a:fld>
             <a:endParaRPr lang="en-US" dirty="0"/>
           </a:p>
@@ -4686,7 +4688,7 @@
           <a:p>
             <a:fld id="{5C12C299-16B2-4475-990D-751901EACC14}" type="datetimeFigureOut">
               <a:rPr lang="en-US" dirty="0"/>
-              <a:t>14-Jun-23</a:t>
+              <a:t>09-Dec-23</a:t>
             </a:fld>
             <a:endParaRPr lang="en-US" dirty="0"/>
           </a:p>
@@ -5346,7 +5348,7 @@
           <a:p>
             <a:fld id="{9FE86839-B9D8-4651-8783-F325ECE74E65}" type="datetimeFigureOut">
               <a:rPr lang="en-US" dirty="0"/>
-              <a:t>14-Jun-23</a:t>
+              <a:t>09-Dec-23</a:t>
             </a:fld>
             <a:endParaRPr lang="en-US" dirty="0"/>
           </a:p>
@@ -6207,7 +6209,7 @@
           <a:p>
             <a:fld id="{FD484F64-32F6-45C5-931F-ADC1662401D0}" type="datetimeFigureOut">
               <a:rPr lang="en-US" dirty="0"/>
-              <a:t>14-Jun-23</a:t>
+              <a:t>09-Dec-23</a:t>
             </a:fld>
             <a:endParaRPr lang="en-US" dirty="0"/>
           </a:p>
@@ -6397,7 +6399,7 @@
           <a:p>
             <a:fld id="{53086D93-FCAC-47E0-A2EE-787E62CA814C}" type="datetimeFigureOut">
               <a:rPr lang="en-US" dirty="0"/>
-              <a:t>14-Jun-23</a:t>
+              <a:t>09-Dec-23</a:t>
             </a:fld>
             <a:endParaRPr lang="en-US" dirty="0"/>
           </a:p>
@@ -7369,7 +7371,7 @@
           <a:p>
             <a:fld id="{CDA879A6-0FD0-4734-A311-86BFCA472E6E}" type="datetimeFigureOut">
               <a:rPr lang="en-US" dirty="0"/>
-              <a:t>14-Jun-23</a:t>
+              <a:t>09-Dec-23</a:t>
             </a:fld>
             <a:endParaRPr lang="en-US" dirty="0"/>
           </a:p>
@@ -7580,7 +7582,7 @@
           <a:p>
             <a:fld id="{19C9CA7B-DFD4-44B5-8C60-D14B8CD1FB59}" type="datetimeFigureOut">
               <a:rPr lang="en-US" dirty="0"/>
-              <a:t>14-Jun-23</a:t>
+              <a:t>09-Dec-23</a:t>
             </a:fld>
             <a:endParaRPr lang="en-US" dirty="0"/>
           </a:p>
@@ -8614,7 +8616,7 @@
           <a:p>
             <a:fld id="{F34E6425-0181-43F2-84FC-787E803FD2F8}" type="datetimeFigureOut">
               <a:rPr lang="en-US" dirty="0"/>
-              <a:t>14-Jun-23</a:t>
+              <a:t>09-Dec-23</a:t>
             </a:fld>
             <a:endParaRPr lang="en-US" dirty="0"/>
           </a:p>
@@ -8886,7 +8888,7 @@
           <a:p>
             <a:fld id="{3BDB8791-F1B0-41E7-B7FD-A781E65C4266}" type="datetimeFigureOut">
               <a:rPr lang="en-US" dirty="0"/>
-              <a:t>14-Jun-23</a:t>
+              <a:t>09-Dec-23</a:t>
             </a:fld>
             <a:endParaRPr lang="en-US" dirty="0"/>
           </a:p>
@@ -9296,7 +9298,7 @@
           <a:p>
             <a:fld id="{5FDD63B2-E120-4ED8-B27B-C685F510A5FE}" type="datetimeFigureOut">
               <a:rPr lang="en-US" dirty="0"/>
-              <a:t>14-Jun-23</a:t>
+              <a:t>09-Dec-23</a:t>
             </a:fld>
             <a:endParaRPr lang="en-US" dirty="0"/>
           </a:p>
@@ -9423,7 +9425,7 @@
           <a:p>
             <a:fld id="{7AA18ACC-A947-437B-A130-35BD54FDF1E9}" type="datetimeFigureOut">
               <a:rPr lang="en-US" dirty="0"/>
-              <a:t>14-Jun-23</a:t>
+              <a:t>09-Dec-23</a:t>
             </a:fld>
             <a:endParaRPr lang="en-US" dirty="0"/>
           </a:p>
@@ -9518,7 +9520,7 @@
           <a:p>
             <a:fld id="{7C8D7E02-BCB8-4D50-A234-369438C08659}" type="datetimeFigureOut">
               <a:rPr lang="en-US" dirty="0"/>
-              <a:t>14-Jun-23</a:t>
+              <a:t>09-Dec-23</a:t>
             </a:fld>
             <a:endParaRPr lang="en-US" dirty="0"/>
           </a:p>
@@ -10599,7 +10601,7 @@
           <a:p>
             <a:fld id="{76E86A4C-8E40-4F87-A4F0-01A0687C5742}" type="datetimeFigureOut">
               <a:rPr lang="en-US" dirty="0"/>
-              <a:t>14-Jun-23</a:t>
+              <a:t>09-Dec-23</a:t>
             </a:fld>
             <a:endParaRPr lang="en-US" dirty="0"/>
           </a:p>
@@ -11707,7 +11709,7 @@
           <a:p>
             <a:fld id="{35E72C73-2D91-4E12-BA25-F0AA0C03599B}" type="datetimeFigureOut">
               <a:rPr lang="en-US" dirty="0"/>
-              <a:t>14-Jun-23</a:t>
+              <a:t>09-Dec-23</a:t>
             </a:fld>
             <a:endParaRPr lang="en-US" dirty="0"/>
           </a:p>
@@ -12704,7 +12706,7 @@
           <a:p>
             <a:fld id="{2BE451C3-0FF4-47C4-B829-773ADF60F88C}" type="datetimeFigureOut">
               <a:rPr lang="en-US" dirty="0"/>
-              <a:t>14-Jun-23</a:t>
+              <a:t>09-Dec-23</a:t>
             </a:fld>
             <a:endParaRPr lang="en-US" dirty="0"/>
           </a:p>
@@ -14376,9 +14378,6 @@
               </a:rPr>
               <a:t>Options</a:t>
             </a:r>
-            <a:endParaRPr lang="en-US" dirty="0" smtClean="0">
-              <a:latin typeface="Work Sans" panose="00000500000000000000" pitchFamily="50" charset="0"/>
-            </a:endParaRPr>
           </a:p>
           <a:p>
             <a:pPr algn="ctr"/>
@@ -14392,19 +14391,7 @@
               <a:rPr lang="en-US" dirty="0" smtClean="0">
                 <a:latin typeface="Work Sans" panose="00000500000000000000" pitchFamily="50" charset="0"/>
               </a:rPr>
-              <a:t>Variable including </a:t>
-            </a:r>
-            <a:r>
-              <a:rPr lang="en-US" dirty="0" smtClean="0">
-                <a:latin typeface="Work Sans" panose="00000500000000000000" pitchFamily="50" charset="0"/>
-              </a:rPr>
-              <a:t>“_o” </a:t>
-            </a:r>
-            <a:r>
-              <a:rPr lang="en-US" dirty="0" smtClean="0">
-                <a:latin typeface="Work Sans" panose="00000500000000000000" pitchFamily="50" charset="0"/>
-              </a:rPr>
-              <a:t>are used for this frame.</a:t>
+              <a:t>Variable including “_o” are used for this frame.</a:t>
             </a:r>
             <a:endParaRPr lang="en-US" dirty="0">
               <a:latin typeface="Work Sans" panose="00000500000000000000" pitchFamily="50" charset="0"/>
@@ -15280,6 +15267,1500 @@
 </p:sld>
 </file>
 
+<file path=ppt/slides/slide5.xml><?xml version="1.0" encoding="utf-8"?>
+<p:sld xmlns:a="http://schemas.openxmlformats.org/drawingml/2006/main" xmlns:r="http://schemas.openxmlformats.org/officeDocument/2006/relationships" xmlns:p="http://schemas.openxmlformats.org/presentationml/2006/main">
+  <p:cSld>
+    <p:spTree>
+      <p:nvGrpSpPr>
+        <p:cNvPr id="1" name=""/>
+        <p:cNvGrpSpPr/>
+        <p:nvPr/>
+      </p:nvGrpSpPr>
+      <p:grpSpPr>
+        <a:xfrm>
+          <a:off x="0" y="0"/>
+          <a:ext cx="0" cy="0"/>
+          <a:chOff x="0" y="0"/>
+          <a:chExt cx="0" cy="0"/>
+        </a:xfrm>
+      </p:grpSpPr>
+      <p:sp>
+        <p:nvSpPr>
+          <p:cNvPr id="2" name="Title 1"/>
+          <p:cNvSpPr>
+            <a:spLocks noGrp="1"/>
+          </p:cNvSpPr>
+          <p:nvPr>
+            <p:ph type="ctrTitle"/>
+          </p:nvPr>
+        </p:nvSpPr>
+        <p:spPr>
+          <a:xfrm>
+            <a:off x="1431594" y="476996"/>
+            <a:ext cx="8986901" cy="1055590"/>
+          </a:xfrm>
+        </p:spPr>
+        <p:txBody>
+          <a:bodyPr/>
+          <a:lstStyle/>
+          <a:p>
+            <a:pPr algn="ctr"/>
+            <a:r>
+              <a:rPr lang="en-US" dirty="0" smtClean="0">
+                <a:latin typeface="Work Sans" panose="00000500000000000000" pitchFamily="50" charset="0"/>
+              </a:rPr>
+              <a:t>Vertical Scroll </a:t>
+            </a:r>
+            <a:endParaRPr lang="en-US" dirty="0">
+              <a:latin typeface="Work Sans" panose="00000500000000000000" pitchFamily="50" charset="0"/>
+            </a:endParaRPr>
+          </a:p>
+        </p:txBody>
+      </p:sp>
+      <p:sp>
+        <p:nvSpPr>
+          <p:cNvPr id="4" name="Rectangle 3"/>
+          <p:cNvSpPr/>
+          <p:nvPr/>
+        </p:nvSpPr>
+        <p:spPr>
+          <a:xfrm>
+            <a:off x="1171980" y="1635620"/>
+            <a:ext cx="9903851" cy="4597756"/>
+          </a:xfrm>
+          <a:prstGeom prst="rect">
+            <a:avLst/>
+          </a:prstGeom>
+          <a:solidFill>
+            <a:schemeClr val="bg1">
+              <a:lumMod val="95000"/>
+            </a:schemeClr>
+          </a:solidFill>
+        </p:spPr>
+        <p:style>
+          <a:lnRef idx="2">
+            <a:schemeClr val="accent1">
+              <a:shade val="50000"/>
+            </a:schemeClr>
+          </a:lnRef>
+          <a:fillRef idx="1">
+            <a:schemeClr val="accent1"/>
+          </a:fillRef>
+          <a:effectRef idx="0">
+            <a:schemeClr val="accent1"/>
+          </a:effectRef>
+          <a:fontRef idx="minor">
+            <a:schemeClr val="lt1"/>
+          </a:fontRef>
+        </p:style>
+        <p:txBody>
+          <a:bodyPr rtlCol="0" anchor="ctr"/>
+          <a:lstStyle/>
+          <a:p>
+            <a:pPr algn="ctr"/>
+            <a:endParaRPr lang="en-US"/>
+          </a:p>
+        </p:txBody>
+      </p:sp>
+      <p:sp>
+        <p:nvSpPr>
+          <p:cNvPr id="7" name="TextBox 6"/>
+          <p:cNvSpPr txBox="1"/>
+          <p:nvPr/>
+        </p:nvSpPr>
+        <p:spPr>
+          <a:xfrm>
+            <a:off x="1255718" y="1635617"/>
+            <a:ext cx="3702645" cy="369332"/>
+          </a:xfrm>
+          <a:prstGeom prst="rect">
+            <a:avLst/>
+          </a:prstGeom>
+          <a:noFill/>
+        </p:spPr>
+        <p:txBody>
+          <a:bodyPr wrap="square" rtlCol="0">
+            <a:spAutoFit/>
+          </a:bodyPr>
+          <a:lstStyle/>
+          <a:p>
+            <a:r>
+              <a:rPr lang="en-US" dirty="0" err="1" smtClean="0">
+                <a:latin typeface="Work Sans" panose="00000500000000000000" pitchFamily="50" charset="0"/>
+              </a:rPr>
+              <a:t>QFrame</a:t>
+            </a:r>
+            <a:r>
+              <a:rPr lang="en-US" dirty="0" smtClean="0">
+                <a:latin typeface="Work Sans" panose="00000500000000000000" pitchFamily="50" charset="0"/>
+              </a:rPr>
+              <a:t> </a:t>
+            </a:r>
+            <a:r>
+              <a:rPr lang="en-US" dirty="0" smtClean="0">
+                <a:latin typeface="Work Sans" panose="00000500000000000000" pitchFamily="50" charset="0"/>
+              </a:rPr>
+              <a:t>&gt;&gt;&gt; </a:t>
+            </a:r>
+            <a:r>
+              <a:rPr lang="en-US" dirty="0" err="1" smtClean="0">
+                <a:latin typeface="Work Sans" panose="00000500000000000000" pitchFamily="50" charset="0"/>
+              </a:rPr>
+              <a:t>self.</a:t>
+            </a:r>
+            <a:r>
+              <a:rPr lang="en-US" dirty="0" err="1" smtClean="0">
+                <a:latin typeface="Work Sans" panose="00000500000000000000" pitchFamily="50" charset="0"/>
+              </a:rPr>
+              <a:t>CreateAction</a:t>
+            </a:r>
+            <a:endParaRPr lang="en-US" dirty="0"/>
+          </a:p>
+        </p:txBody>
+      </p:sp>
+      <p:sp>
+        <p:nvSpPr>
+          <p:cNvPr id="25" name="Rectangle 24"/>
+          <p:cNvSpPr/>
+          <p:nvPr/>
+        </p:nvSpPr>
+        <p:spPr>
+          <a:xfrm>
+            <a:off x="1431594" y="2004950"/>
+            <a:ext cx="9515448" cy="4112516"/>
+          </a:xfrm>
+          <a:prstGeom prst="rect">
+            <a:avLst/>
+          </a:prstGeom>
+          <a:solidFill>
+            <a:schemeClr val="bg1">
+              <a:lumMod val="95000"/>
+            </a:schemeClr>
+          </a:solidFill>
+        </p:spPr>
+        <p:style>
+          <a:lnRef idx="2">
+            <a:schemeClr val="accent1">
+              <a:shade val="50000"/>
+            </a:schemeClr>
+          </a:lnRef>
+          <a:fillRef idx="1">
+            <a:schemeClr val="accent1"/>
+          </a:fillRef>
+          <a:effectRef idx="0">
+            <a:schemeClr val="accent1"/>
+          </a:effectRef>
+          <a:fontRef idx="minor">
+            <a:schemeClr val="lt1"/>
+          </a:fontRef>
+        </p:style>
+        <p:txBody>
+          <a:bodyPr rtlCol="0" anchor="ctr"/>
+          <a:lstStyle/>
+          <a:p>
+            <a:pPr algn="ctr"/>
+            <a:endParaRPr lang="en-US"/>
+          </a:p>
+        </p:txBody>
+      </p:sp>
+      <p:sp>
+        <p:nvSpPr>
+          <p:cNvPr id="8" name="TextBox 7"/>
+          <p:cNvSpPr txBox="1"/>
+          <p:nvPr/>
+        </p:nvSpPr>
+        <p:spPr>
+          <a:xfrm>
+            <a:off x="1539056" y="2004949"/>
+            <a:ext cx="3702645" cy="369332"/>
+          </a:xfrm>
+          <a:prstGeom prst="rect">
+            <a:avLst/>
+          </a:prstGeom>
+          <a:noFill/>
+        </p:spPr>
+        <p:txBody>
+          <a:bodyPr wrap="square" rtlCol="0">
+            <a:spAutoFit/>
+          </a:bodyPr>
+          <a:lstStyle/>
+          <a:p>
+            <a:r>
+              <a:rPr lang="en-US" dirty="0" err="1">
+                <a:latin typeface="Work Sans" panose="00000500000000000000" pitchFamily="50" charset="0"/>
+              </a:rPr>
+              <a:t>QWidget</a:t>
+            </a:r>
+            <a:r>
+              <a:rPr lang="en-US" dirty="0">
+                <a:latin typeface="Work Sans" panose="00000500000000000000" pitchFamily="50" charset="0"/>
+              </a:rPr>
+              <a:t> </a:t>
+            </a:r>
+            <a:r>
+              <a:rPr lang="en-US" dirty="0" smtClean="0">
+                <a:latin typeface="Work Sans" panose="00000500000000000000" pitchFamily="50" charset="0"/>
+              </a:rPr>
+              <a:t>&gt;&gt;&gt; </a:t>
+            </a:r>
+            <a:r>
+              <a:rPr lang="en-US" dirty="0" err="1">
+                <a:latin typeface="Work Sans" panose="00000500000000000000" pitchFamily="50" charset="0"/>
+              </a:rPr>
+              <a:t>self.profiles_area</a:t>
+            </a:r>
+            <a:endParaRPr lang="en-US" dirty="0"/>
+          </a:p>
+        </p:txBody>
+      </p:sp>
+      <p:sp>
+        <p:nvSpPr>
+          <p:cNvPr id="10" name="Rectangle 9"/>
+          <p:cNvSpPr/>
+          <p:nvPr/>
+        </p:nvSpPr>
+        <p:spPr>
+          <a:xfrm>
+            <a:off x="1751420" y="2374279"/>
+            <a:ext cx="9053956" cy="3614397"/>
+          </a:xfrm>
+          <a:prstGeom prst="rect">
+            <a:avLst/>
+          </a:prstGeom>
+          <a:solidFill>
+            <a:schemeClr val="bg1">
+              <a:lumMod val="95000"/>
+            </a:schemeClr>
+          </a:solidFill>
+        </p:spPr>
+        <p:style>
+          <a:lnRef idx="2">
+            <a:schemeClr val="accent1">
+              <a:shade val="50000"/>
+            </a:schemeClr>
+          </a:lnRef>
+          <a:fillRef idx="1">
+            <a:schemeClr val="accent1"/>
+          </a:fillRef>
+          <a:effectRef idx="0">
+            <a:schemeClr val="accent1"/>
+          </a:effectRef>
+          <a:fontRef idx="minor">
+            <a:schemeClr val="lt1"/>
+          </a:fontRef>
+        </p:style>
+        <p:txBody>
+          <a:bodyPr rtlCol="0" anchor="ctr"/>
+          <a:lstStyle/>
+          <a:p>
+            <a:pPr algn="ctr"/>
+            <a:endParaRPr lang="en-US"/>
+          </a:p>
+        </p:txBody>
+      </p:sp>
+      <p:sp>
+        <p:nvSpPr>
+          <p:cNvPr id="11" name="TextBox 10"/>
+          <p:cNvSpPr txBox="1"/>
+          <p:nvPr/>
+        </p:nvSpPr>
+        <p:spPr>
+          <a:xfrm>
+            <a:off x="1893252" y="2361399"/>
+            <a:ext cx="4623458" cy="369332"/>
+          </a:xfrm>
+          <a:prstGeom prst="rect">
+            <a:avLst/>
+          </a:prstGeom>
+          <a:noFill/>
+        </p:spPr>
+        <p:txBody>
+          <a:bodyPr wrap="square" rtlCol="0">
+            <a:spAutoFit/>
+          </a:bodyPr>
+          <a:lstStyle/>
+          <a:p>
+            <a:r>
+              <a:rPr lang="en-US" dirty="0" err="1">
+                <a:latin typeface="Work Sans" panose="00000500000000000000" pitchFamily="50" charset="0"/>
+              </a:rPr>
+              <a:t>QVBoxLayout</a:t>
+            </a:r>
+            <a:r>
+              <a:rPr lang="en-US" dirty="0">
+                <a:latin typeface="Work Sans" panose="00000500000000000000" pitchFamily="50" charset="0"/>
+              </a:rPr>
+              <a:t> </a:t>
+            </a:r>
+            <a:r>
+              <a:rPr lang="en-US" dirty="0" smtClean="0">
+                <a:latin typeface="Work Sans" panose="00000500000000000000" pitchFamily="50" charset="0"/>
+              </a:rPr>
+              <a:t>&gt;&gt;&gt; </a:t>
+            </a:r>
+            <a:r>
+              <a:rPr lang="en-US" dirty="0" err="1">
+                <a:latin typeface="Work Sans" panose="00000500000000000000" pitchFamily="50" charset="0"/>
+              </a:rPr>
+              <a:t>self.verticalLayout_c</a:t>
+            </a:r>
+            <a:endParaRPr lang="en-US" dirty="0"/>
+          </a:p>
+        </p:txBody>
+      </p:sp>
+      <p:sp>
+        <p:nvSpPr>
+          <p:cNvPr id="12" name="Rectangle 11"/>
+          <p:cNvSpPr/>
+          <p:nvPr/>
+        </p:nvSpPr>
+        <p:spPr>
+          <a:xfrm>
+            <a:off x="1751420" y="2792226"/>
+            <a:ext cx="9053955" cy="3196450"/>
+          </a:xfrm>
+          <a:prstGeom prst="rect">
+            <a:avLst/>
+          </a:prstGeom>
+          <a:solidFill>
+            <a:schemeClr val="bg1">
+              <a:lumMod val="95000"/>
+            </a:schemeClr>
+          </a:solidFill>
+          <a:ln>
+            <a:prstDash val="dash"/>
+          </a:ln>
+        </p:spPr>
+        <p:style>
+          <a:lnRef idx="2">
+            <a:schemeClr val="accent1">
+              <a:shade val="50000"/>
+            </a:schemeClr>
+          </a:lnRef>
+          <a:fillRef idx="1">
+            <a:schemeClr val="accent1"/>
+          </a:fillRef>
+          <a:effectRef idx="0">
+            <a:schemeClr val="accent1"/>
+          </a:effectRef>
+          <a:fontRef idx="minor">
+            <a:schemeClr val="lt1"/>
+          </a:fontRef>
+        </p:style>
+        <p:txBody>
+          <a:bodyPr rtlCol="0" anchor="ctr"/>
+          <a:lstStyle/>
+          <a:p>
+            <a:pPr algn="ctr"/>
+            <a:endParaRPr lang="en-US"/>
+          </a:p>
+        </p:txBody>
+      </p:sp>
+      <p:sp>
+        <p:nvSpPr>
+          <p:cNvPr id="13" name="TextBox 12"/>
+          <p:cNvSpPr txBox="1"/>
+          <p:nvPr/>
+        </p:nvSpPr>
+        <p:spPr>
+          <a:xfrm>
+            <a:off x="1893252" y="2792226"/>
+            <a:ext cx="4623458" cy="369332"/>
+          </a:xfrm>
+          <a:prstGeom prst="rect">
+            <a:avLst/>
+          </a:prstGeom>
+          <a:noFill/>
+        </p:spPr>
+        <p:txBody>
+          <a:bodyPr wrap="square" rtlCol="0">
+            <a:spAutoFit/>
+          </a:bodyPr>
+          <a:lstStyle/>
+          <a:p>
+            <a:r>
+              <a:rPr lang="en-US" dirty="0" err="1">
+                <a:latin typeface="Work Sans" panose="00000500000000000000" pitchFamily="50" charset="0"/>
+              </a:rPr>
+              <a:t>QScrollArea</a:t>
+            </a:r>
+            <a:r>
+              <a:rPr lang="en-US" dirty="0">
+                <a:latin typeface="Work Sans" panose="00000500000000000000" pitchFamily="50" charset="0"/>
+              </a:rPr>
+              <a:t> </a:t>
+            </a:r>
+            <a:r>
+              <a:rPr lang="en-US" dirty="0" smtClean="0">
+                <a:latin typeface="Work Sans" panose="00000500000000000000" pitchFamily="50" charset="0"/>
+              </a:rPr>
+              <a:t>&gt;&gt;&gt; </a:t>
+            </a:r>
+            <a:r>
+              <a:rPr lang="en-US" dirty="0" err="1">
+                <a:latin typeface="Work Sans" panose="00000500000000000000" pitchFamily="50" charset="0"/>
+              </a:rPr>
+              <a:t>self.scrollArea_c</a:t>
+            </a:r>
+            <a:endParaRPr lang="en-US" dirty="0"/>
+          </a:p>
+        </p:txBody>
+      </p:sp>
+      <p:sp>
+        <p:nvSpPr>
+          <p:cNvPr id="15" name="Rectangle 14"/>
+          <p:cNvSpPr/>
+          <p:nvPr/>
+        </p:nvSpPr>
+        <p:spPr>
+          <a:xfrm>
+            <a:off x="2068962" y="3243603"/>
+            <a:ext cx="8594745" cy="2590527"/>
+          </a:xfrm>
+          <a:prstGeom prst="rect">
+            <a:avLst/>
+          </a:prstGeom>
+          <a:solidFill>
+            <a:schemeClr val="bg1">
+              <a:lumMod val="95000"/>
+            </a:schemeClr>
+          </a:solidFill>
+        </p:spPr>
+        <p:style>
+          <a:lnRef idx="2">
+            <a:schemeClr val="accent1">
+              <a:shade val="50000"/>
+            </a:schemeClr>
+          </a:lnRef>
+          <a:fillRef idx="1">
+            <a:schemeClr val="accent1"/>
+          </a:fillRef>
+          <a:effectRef idx="0">
+            <a:schemeClr val="accent1"/>
+          </a:effectRef>
+          <a:fontRef idx="minor">
+            <a:schemeClr val="lt1"/>
+          </a:fontRef>
+        </p:style>
+        <p:txBody>
+          <a:bodyPr rtlCol="0" anchor="ctr"/>
+          <a:lstStyle/>
+          <a:p>
+            <a:pPr algn="ctr"/>
+            <a:endParaRPr lang="en-US"/>
+          </a:p>
+        </p:txBody>
+      </p:sp>
+      <p:sp>
+        <p:nvSpPr>
+          <p:cNvPr id="16" name="TextBox 15"/>
+          <p:cNvSpPr txBox="1"/>
+          <p:nvPr/>
+        </p:nvSpPr>
+        <p:spPr>
+          <a:xfrm>
+            <a:off x="2161560" y="3243603"/>
+            <a:ext cx="5385460" cy="369332"/>
+          </a:xfrm>
+          <a:prstGeom prst="rect">
+            <a:avLst/>
+          </a:prstGeom>
+          <a:noFill/>
+        </p:spPr>
+        <p:txBody>
+          <a:bodyPr wrap="square" rtlCol="0">
+            <a:spAutoFit/>
+          </a:bodyPr>
+          <a:lstStyle/>
+          <a:p>
+            <a:r>
+              <a:rPr lang="en-US" dirty="0" err="1">
+                <a:latin typeface="Work Sans" panose="00000500000000000000" pitchFamily="50" charset="0"/>
+              </a:rPr>
+              <a:t>QWidget</a:t>
+            </a:r>
+            <a:r>
+              <a:rPr lang="en-US" dirty="0">
+                <a:latin typeface="Work Sans" panose="00000500000000000000" pitchFamily="50" charset="0"/>
+              </a:rPr>
+              <a:t> </a:t>
+            </a:r>
+            <a:r>
+              <a:rPr lang="en-US" dirty="0" smtClean="0">
+                <a:latin typeface="Work Sans" panose="00000500000000000000" pitchFamily="50" charset="0"/>
+              </a:rPr>
+              <a:t>&gt;&gt;&gt; </a:t>
+            </a:r>
+            <a:r>
+              <a:rPr lang="en-US" dirty="0" err="1">
+                <a:latin typeface="Work Sans" panose="00000500000000000000" pitchFamily="50" charset="0"/>
+              </a:rPr>
+              <a:t>self.scrollAreaWidgetContents_c</a:t>
+            </a:r>
+            <a:endParaRPr lang="en-US" dirty="0"/>
+          </a:p>
+        </p:txBody>
+      </p:sp>
+      <p:sp>
+        <p:nvSpPr>
+          <p:cNvPr id="17" name="Rectangle 16"/>
+          <p:cNvSpPr/>
+          <p:nvPr/>
+        </p:nvSpPr>
+        <p:spPr>
+          <a:xfrm>
+            <a:off x="2386504" y="3642850"/>
+            <a:ext cx="8122657" cy="2036734"/>
+          </a:xfrm>
+          <a:prstGeom prst="rect">
+            <a:avLst/>
+          </a:prstGeom>
+          <a:solidFill>
+            <a:schemeClr val="bg1">
+              <a:lumMod val="95000"/>
+            </a:schemeClr>
+          </a:solidFill>
+        </p:spPr>
+        <p:style>
+          <a:lnRef idx="2">
+            <a:schemeClr val="accent1">
+              <a:shade val="50000"/>
+            </a:schemeClr>
+          </a:lnRef>
+          <a:fillRef idx="1">
+            <a:schemeClr val="accent1"/>
+          </a:fillRef>
+          <a:effectRef idx="0">
+            <a:schemeClr val="accent1"/>
+          </a:effectRef>
+          <a:fontRef idx="minor">
+            <a:schemeClr val="lt1"/>
+          </a:fontRef>
+        </p:style>
+        <p:txBody>
+          <a:bodyPr rtlCol="0" anchor="ctr"/>
+          <a:lstStyle/>
+          <a:p>
+            <a:pPr algn="ctr"/>
+            <a:endParaRPr lang="en-US"/>
+          </a:p>
+        </p:txBody>
+      </p:sp>
+      <p:sp>
+        <p:nvSpPr>
+          <p:cNvPr id="19" name="Rectangle 18"/>
+          <p:cNvSpPr/>
+          <p:nvPr/>
+        </p:nvSpPr>
+        <p:spPr>
+          <a:xfrm>
+            <a:off x="2386504" y="4077879"/>
+            <a:ext cx="8122657" cy="1601705"/>
+          </a:xfrm>
+          <a:prstGeom prst="rect">
+            <a:avLst/>
+          </a:prstGeom>
+          <a:solidFill>
+            <a:schemeClr val="bg1">
+              <a:lumMod val="95000"/>
+            </a:schemeClr>
+          </a:solidFill>
+          <a:ln>
+            <a:prstDash val="dash"/>
+          </a:ln>
+        </p:spPr>
+        <p:style>
+          <a:lnRef idx="2">
+            <a:schemeClr val="accent1">
+              <a:shade val="50000"/>
+            </a:schemeClr>
+          </a:lnRef>
+          <a:fillRef idx="1">
+            <a:schemeClr val="accent1"/>
+          </a:fillRef>
+          <a:effectRef idx="0">
+            <a:schemeClr val="accent1"/>
+          </a:effectRef>
+          <a:fontRef idx="minor">
+            <a:schemeClr val="lt1"/>
+          </a:fontRef>
+        </p:style>
+        <p:txBody>
+          <a:bodyPr rtlCol="0" anchor="ctr"/>
+          <a:lstStyle/>
+          <a:p>
+            <a:pPr algn="ctr"/>
+            <a:endParaRPr lang="en-US"/>
+          </a:p>
+        </p:txBody>
+      </p:sp>
+      <p:sp>
+        <p:nvSpPr>
+          <p:cNvPr id="18" name="TextBox 17"/>
+          <p:cNvSpPr txBox="1"/>
+          <p:nvPr/>
+        </p:nvSpPr>
+        <p:spPr>
+          <a:xfrm>
+            <a:off x="2495366" y="3656662"/>
+            <a:ext cx="4768319" cy="369332"/>
+          </a:xfrm>
+          <a:prstGeom prst="rect">
+            <a:avLst/>
+          </a:prstGeom>
+          <a:noFill/>
+        </p:spPr>
+        <p:txBody>
+          <a:bodyPr wrap="square" rtlCol="0">
+            <a:spAutoFit/>
+          </a:bodyPr>
+          <a:lstStyle/>
+          <a:p>
+            <a:r>
+              <a:rPr lang="en-US" dirty="0" err="1">
+                <a:latin typeface="Work Sans" panose="00000500000000000000" pitchFamily="50" charset="0"/>
+              </a:rPr>
+              <a:t>QVBoxLayout</a:t>
+            </a:r>
+            <a:r>
+              <a:rPr lang="en-US" dirty="0">
+                <a:latin typeface="Work Sans" panose="00000500000000000000" pitchFamily="50" charset="0"/>
+              </a:rPr>
+              <a:t> </a:t>
+            </a:r>
+            <a:r>
+              <a:rPr lang="en-US" dirty="0" smtClean="0">
+                <a:latin typeface="Work Sans" panose="00000500000000000000" pitchFamily="50" charset="0"/>
+              </a:rPr>
+              <a:t>&gt;&gt;&gt; </a:t>
+            </a:r>
+            <a:r>
+              <a:rPr lang="en-US" dirty="0">
+                <a:latin typeface="Work Sans" panose="00000500000000000000" pitchFamily="50" charset="0"/>
+              </a:rPr>
+              <a:t>self.verticalLayout_2c</a:t>
+            </a:r>
+            <a:endParaRPr lang="en-US" dirty="0"/>
+          </a:p>
+        </p:txBody>
+      </p:sp>
+      <p:sp>
+        <p:nvSpPr>
+          <p:cNvPr id="20" name="TextBox 19"/>
+          <p:cNvSpPr txBox="1"/>
+          <p:nvPr/>
+        </p:nvSpPr>
+        <p:spPr>
+          <a:xfrm>
+            <a:off x="2495366" y="4124870"/>
+            <a:ext cx="4021344" cy="369332"/>
+          </a:xfrm>
+          <a:prstGeom prst="rect">
+            <a:avLst/>
+          </a:prstGeom>
+          <a:noFill/>
+        </p:spPr>
+        <p:txBody>
+          <a:bodyPr wrap="square" rtlCol="0">
+            <a:spAutoFit/>
+          </a:bodyPr>
+          <a:lstStyle/>
+          <a:p>
+            <a:r>
+              <a:rPr lang="en-US" dirty="0" err="1" smtClean="0">
+                <a:latin typeface="Work Sans" panose="00000500000000000000" pitchFamily="50" charset="0"/>
+              </a:rPr>
+              <a:t>QFrame</a:t>
+            </a:r>
+            <a:r>
+              <a:rPr lang="en-US" dirty="0" smtClean="0">
+                <a:latin typeface="Work Sans" panose="00000500000000000000" pitchFamily="50" charset="0"/>
+              </a:rPr>
+              <a:t> </a:t>
+            </a:r>
+            <a:r>
+              <a:rPr lang="en-US" dirty="0" smtClean="0">
+                <a:latin typeface="Work Sans" panose="00000500000000000000" pitchFamily="50" charset="0"/>
+              </a:rPr>
+              <a:t>&gt;&gt;&gt; </a:t>
+            </a:r>
+            <a:r>
+              <a:rPr lang="en-US" dirty="0">
+                <a:latin typeface="Work Sans" panose="00000500000000000000" pitchFamily="50" charset="0"/>
+              </a:rPr>
+              <a:t>self.profiles_area_2</a:t>
+            </a:r>
+            <a:endParaRPr lang="en-US" dirty="0"/>
+          </a:p>
+        </p:txBody>
+      </p:sp>
+    </p:spTree>
+    <p:extLst>
+      <p:ext uri="{BB962C8B-B14F-4D97-AF65-F5344CB8AC3E}">
+        <p14:creationId xmlns:p14="http://schemas.microsoft.com/office/powerpoint/2010/main" val="2855403072"/>
+      </p:ext>
+    </p:extLst>
+  </p:cSld>
+  <p:clrMapOvr>
+    <a:masterClrMapping/>
+  </p:clrMapOvr>
+  <p:timing>
+    <p:tnLst>
+      <p:par>
+        <p:cTn id="1" dur="indefinite" restart="never" nodeType="tmRoot"/>
+      </p:par>
+    </p:tnLst>
+  </p:timing>
+</p:sld>
+</file>
+
+<file path=ppt/slides/slide6.xml><?xml version="1.0" encoding="utf-8"?>
+<p:sld xmlns:a="http://schemas.openxmlformats.org/drawingml/2006/main" xmlns:r="http://schemas.openxmlformats.org/officeDocument/2006/relationships" xmlns:p="http://schemas.openxmlformats.org/presentationml/2006/main">
+  <p:cSld>
+    <p:spTree>
+      <p:nvGrpSpPr>
+        <p:cNvPr id="1" name=""/>
+        <p:cNvGrpSpPr/>
+        <p:nvPr/>
+      </p:nvGrpSpPr>
+      <p:grpSpPr>
+        <a:xfrm>
+          <a:off x="0" y="0"/>
+          <a:ext cx="0" cy="0"/>
+          <a:chOff x="0" y="0"/>
+          <a:chExt cx="0" cy="0"/>
+        </a:xfrm>
+      </p:grpSpPr>
+      <p:sp>
+        <p:nvSpPr>
+          <p:cNvPr id="2" name="Title 1"/>
+          <p:cNvSpPr>
+            <a:spLocks noGrp="1"/>
+          </p:cNvSpPr>
+          <p:nvPr>
+            <p:ph type="ctrTitle"/>
+          </p:nvPr>
+        </p:nvSpPr>
+        <p:spPr>
+          <a:xfrm>
+            <a:off x="1431594" y="476996"/>
+            <a:ext cx="8986901" cy="1055590"/>
+          </a:xfrm>
+        </p:spPr>
+        <p:txBody>
+          <a:bodyPr/>
+          <a:lstStyle/>
+          <a:p>
+            <a:pPr algn="ctr"/>
+            <a:r>
+              <a:rPr lang="en-US" dirty="0" smtClean="0">
+                <a:latin typeface="Work Sans" panose="00000500000000000000" pitchFamily="50" charset="0"/>
+              </a:rPr>
+              <a:t>Horizontal </a:t>
+            </a:r>
+            <a:r>
+              <a:rPr lang="en-US" dirty="0" smtClean="0">
+                <a:latin typeface="Work Sans" panose="00000500000000000000" pitchFamily="50" charset="0"/>
+              </a:rPr>
+              <a:t>Scroll </a:t>
+            </a:r>
+            <a:endParaRPr lang="en-US" dirty="0">
+              <a:latin typeface="Work Sans" panose="00000500000000000000" pitchFamily="50" charset="0"/>
+            </a:endParaRPr>
+          </a:p>
+        </p:txBody>
+      </p:sp>
+      <p:sp>
+        <p:nvSpPr>
+          <p:cNvPr id="4" name="Rectangle 3"/>
+          <p:cNvSpPr/>
+          <p:nvPr/>
+        </p:nvSpPr>
+        <p:spPr>
+          <a:xfrm>
+            <a:off x="1171980" y="1635620"/>
+            <a:ext cx="9903851" cy="4597756"/>
+          </a:xfrm>
+          <a:prstGeom prst="rect">
+            <a:avLst/>
+          </a:prstGeom>
+          <a:solidFill>
+            <a:schemeClr val="bg1">
+              <a:lumMod val="95000"/>
+            </a:schemeClr>
+          </a:solidFill>
+        </p:spPr>
+        <p:style>
+          <a:lnRef idx="2">
+            <a:schemeClr val="accent1">
+              <a:shade val="50000"/>
+            </a:schemeClr>
+          </a:lnRef>
+          <a:fillRef idx="1">
+            <a:schemeClr val="accent1"/>
+          </a:fillRef>
+          <a:effectRef idx="0">
+            <a:schemeClr val="accent1"/>
+          </a:effectRef>
+          <a:fontRef idx="minor">
+            <a:schemeClr val="lt1"/>
+          </a:fontRef>
+        </p:style>
+        <p:txBody>
+          <a:bodyPr rtlCol="0" anchor="ctr"/>
+          <a:lstStyle/>
+          <a:p>
+            <a:pPr algn="ctr"/>
+            <a:endParaRPr lang="en-US"/>
+          </a:p>
+        </p:txBody>
+      </p:sp>
+      <p:sp>
+        <p:nvSpPr>
+          <p:cNvPr id="7" name="TextBox 6"/>
+          <p:cNvSpPr txBox="1"/>
+          <p:nvPr/>
+        </p:nvSpPr>
+        <p:spPr>
+          <a:xfrm>
+            <a:off x="1255718" y="1635617"/>
+            <a:ext cx="3702645" cy="369332"/>
+          </a:xfrm>
+          <a:prstGeom prst="rect">
+            <a:avLst/>
+          </a:prstGeom>
+          <a:noFill/>
+        </p:spPr>
+        <p:txBody>
+          <a:bodyPr wrap="square" rtlCol="0">
+            <a:spAutoFit/>
+          </a:bodyPr>
+          <a:lstStyle/>
+          <a:p>
+            <a:r>
+              <a:rPr lang="en-US" dirty="0" err="1" smtClean="0">
+                <a:latin typeface="Work Sans" panose="00000500000000000000" pitchFamily="50" charset="0"/>
+              </a:rPr>
+              <a:t>QFrame</a:t>
+            </a:r>
+            <a:r>
+              <a:rPr lang="en-US" dirty="0" smtClean="0">
+                <a:latin typeface="Work Sans" panose="00000500000000000000" pitchFamily="50" charset="0"/>
+              </a:rPr>
+              <a:t> </a:t>
+            </a:r>
+            <a:r>
+              <a:rPr lang="en-US" dirty="0" smtClean="0">
+                <a:latin typeface="Work Sans" panose="00000500000000000000" pitchFamily="50" charset="0"/>
+              </a:rPr>
+              <a:t>&gt;&gt;&gt; </a:t>
+            </a:r>
+            <a:r>
+              <a:rPr lang="en-US" dirty="0" err="1" smtClean="0">
+                <a:latin typeface="Work Sans" panose="00000500000000000000" pitchFamily="50" charset="0"/>
+              </a:rPr>
+              <a:t>self.</a:t>
+            </a:r>
+            <a:r>
+              <a:rPr lang="en-US" dirty="0" err="1" smtClean="0">
+                <a:latin typeface="Work Sans" panose="00000500000000000000" pitchFamily="50" charset="0"/>
+              </a:rPr>
+              <a:t>main_frame</a:t>
+            </a:r>
+            <a:endParaRPr lang="en-US" dirty="0"/>
+          </a:p>
+        </p:txBody>
+      </p:sp>
+      <p:sp>
+        <p:nvSpPr>
+          <p:cNvPr id="25" name="Rectangle 24"/>
+          <p:cNvSpPr/>
+          <p:nvPr/>
+        </p:nvSpPr>
+        <p:spPr>
+          <a:xfrm>
+            <a:off x="1431594" y="2004950"/>
+            <a:ext cx="9515448" cy="4112516"/>
+          </a:xfrm>
+          <a:prstGeom prst="rect">
+            <a:avLst/>
+          </a:prstGeom>
+          <a:solidFill>
+            <a:schemeClr val="bg1">
+              <a:lumMod val="95000"/>
+            </a:schemeClr>
+          </a:solidFill>
+        </p:spPr>
+        <p:style>
+          <a:lnRef idx="2">
+            <a:schemeClr val="accent1">
+              <a:shade val="50000"/>
+            </a:schemeClr>
+          </a:lnRef>
+          <a:fillRef idx="1">
+            <a:schemeClr val="accent1"/>
+          </a:fillRef>
+          <a:effectRef idx="0">
+            <a:schemeClr val="accent1"/>
+          </a:effectRef>
+          <a:fontRef idx="minor">
+            <a:schemeClr val="lt1"/>
+          </a:fontRef>
+        </p:style>
+        <p:txBody>
+          <a:bodyPr rtlCol="0" anchor="ctr"/>
+          <a:lstStyle/>
+          <a:p>
+            <a:pPr algn="ctr"/>
+            <a:endParaRPr lang="en-US"/>
+          </a:p>
+        </p:txBody>
+      </p:sp>
+      <p:sp>
+        <p:nvSpPr>
+          <p:cNvPr id="8" name="TextBox 7"/>
+          <p:cNvSpPr txBox="1"/>
+          <p:nvPr/>
+        </p:nvSpPr>
+        <p:spPr>
+          <a:xfrm>
+            <a:off x="1539056" y="2004949"/>
+            <a:ext cx="3880964" cy="369332"/>
+          </a:xfrm>
+          <a:prstGeom prst="rect">
+            <a:avLst/>
+          </a:prstGeom>
+          <a:noFill/>
+        </p:spPr>
+        <p:txBody>
+          <a:bodyPr wrap="square" rtlCol="0">
+            <a:spAutoFit/>
+          </a:bodyPr>
+          <a:lstStyle/>
+          <a:p>
+            <a:r>
+              <a:rPr lang="en-US" dirty="0" err="1">
+                <a:latin typeface="Work Sans" panose="00000500000000000000" pitchFamily="50" charset="0"/>
+              </a:rPr>
+              <a:t>QWidget</a:t>
+            </a:r>
+            <a:r>
+              <a:rPr lang="en-US" dirty="0">
+                <a:latin typeface="Work Sans" panose="00000500000000000000" pitchFamily="50" charset="0"/>
+              </a:rPr>
+              <a:t> </a:t>
+            </a:r>
+            <a:r>
+              <a:rPr lang="en-US" dirty="0" smtClean="0">
+                <a:latin typeface="Work Sans" panose="00000500000000000000" pitchFamily="50" charset="0"/>
+              </a:rPr>
+              <a:t>&gt;&gt;&gt; </a:t>
+            </a:r>
+            <a:r>
+              <a:rPr lang="en-US" dirty="0" err="1" smtClean="0">
+                <a:latin typeface="Work Sans" panose="00000500000000000000" pitchFamily="50" charset="0"/>
+              </a:rPr>
+              <a:t>self.keyboard_area</a:t>
+            </a:r>
+            <a:endParaRPr lang="en-US" dirty="0"/>
+          </a:p>
+        </p:txBody>
+      </p:sp>
+      <p:sp>
+        <p:nvSpPr>
+          <p:cNvPr id="10" name="Rectangle 9"/>
+          <p:cNvSpPr/>
+          <p:nvPr/>
+        </p:nvSpPr>
+        <p:spPr>
+          <a:xfrm>
+            <a:off x="1751420" y="2374279"/>
+            <a:ext cx="9053956" cy="3614397"/>
+          </a:xfrm>
+          <a:prstGeom prst="rect">
+            <a:avLst/>
+          </a:prstGeom>
+          <a:solidFill>
+            <a:schemeClr val="bg1">
+              <a:lumMod val="95000"/>
+            </a:schemeClr>
+          </a:solidFill>
+        </p:spPr>
+        <p:style>
+          <a:lnRef idx="2">
+            <a:schemeClr val="accent1">
+              <a:shade val="50000"/>
+            </a:schemeClr>
+          </a:lnRef>
+          <a:fillRef idx="1">
+            <a:schemeClr val="accent1"/>
+          </a:fillRef>
+          <a:effectRef idx="0">
+            <a:schemeClr val="accent1"/>
+          </a:effectRef>
+          <a:fontRef idx="minor">
+            <a:schemeClr val="lt1"/>
+          </a:fontRef>
+        </p:style>
+        <p:txBody>
+          <a:bodyPr rtlCol="0" anchor="ctr"/>
+          <a:lstStyle/>
+          <a:p>
+            <a:pPr algn="ctr"/>
+            <a:endParaRPr lang="en-US"/>
+          </a:p>
+        </p:txBody>
+      </p:sp>
+      <p:sp>
+        <p:nvSpPr>
+          <p:cNvPr id="11" name="TextBox 10"/>
+          <p:cNvSpPr txBox="1"/>
+          <p:nvPr/>
+        </p:nvSpPr>
+        <p:spPr>
+          <a:xfrm>
+            <a:off x="1893251" y="2361399"/>
+            <a:ext cx="5499221" cy="369332"/>
+          </a:xfrm>
+          <a:prstGeom prst="rect">
+            <a:avLst/>
+          </a:prstGeom>
+          <a:noFill/>
+        </p:spPr>
+        <p:txBody>
+          <a:bodyPr wrap="square" rtlCol="0">
+            <a:spAutoFit/>
+          </a:bodyPr>
+          <a:lstStyle/>
+          <a:p>
+            <a:r>
+              <a:rPr lang="en-US" dirty="0" err="1">
+                <a:latin typeface="Work Sans" panose="00000500000000000000" pitchFamily="50" charset="0"/>
+              </a:rPr>
+              <a:t>QHBoxLayout</a:t>
+            </a:r>
+            <a:r>
+              <a:rPr lang="en-US" dirty="0">
+                <a:latin typeface="Work Sans" panose="00000500000000000000" pitchFamily="50" charset="0"/>
+              </a:rPr>
+              <a:t> &gt;&gt;&gt; </a:t>
+            </a:r>
+            <a:r>
+              <a:rPr lang="en-US" dirty="0" err="1" smtClean="0">
+                <a:latin typeface="Work Sans" panose="00000500000000000000" pitchFamily="50" charset="0"/>
+              </a:rPr>
+              <a:t>self.horizLayout_keyboard</a:t>
+            </a:r>
+            <a:endParaRPr lang="en-US" dirty="0"/>
+          </a:p>
+        </p:txBody>
+      </p:sp>
+      <p:sp>
+        <p:nvSpPr>
+          <p:cNvPr id="12" name="Rectangle 11"/>
+          <p:cNvSpPr/>
+          <p:nvPr/>
+        </p:nvSpPr>
+        <p:spPr>
+          <a:xfrm>
+            <a:off x="1751420" y="2792226"/>
+            <a:ext cx="9053955" cy="3196450"/>
+          </a:xfrm>
+          <a:prstGeom prst="rect">
+            <a:avLst/>
+          </a:prstGeom>
+          <a:solidFill>
+            <a:schemeClr val="bg1">
+              <a:lumMod val="95000"/>
+            </a:schemeClr>
+          </a:solidFill>
+          <a:ln>
+            <a:prstDash val="dash"/>
+          </a:ln>
+        </p:spPr>
+        <p:style>
+          <a:lnRef idx="2">
+            <a:schemeClr val="accent1">
+              <a:shade val="50000"/>
+            </a:schemeClr>
+          </a:lnRef>
+          <a:fillRef idx="1">
+            <a:schemeClr val="accent1"/>
+          </a:fillRef>
+          <a:effectRef idx="0">
+            <a:schemeClr val="accent1"/>
+          </a:effectRef>
+          <a:fontRef idx="minor">
+            <a:schemeClr val="lt1"/>
+          </a:fontRef>
+        </p:style>
+        <p:txBody>
+          <a:bodyPr rtlCol="0" anchor="ctr"/>
+          <a:lstStyle/>
+          <a:p>
+            <a:pPr algn="ctr"/>
+            <a:endParaRPr lang="en-US"/>
+          </a:p>
+        </p:txBody>
+      </p:sp>
+      <p:sp>
+        <p:nvSpPr>
+          <p:cNvPr id="13" name="TextBox 12"/>
+          <p:cNvSpPr txBox="1"/>
+          <p:nvPr/>
+        </p:nvSpPr>
+        <p:spPr>
+          <a:xfrm>
+            <a:off x="1893252" y="2792226"/>
+            <a:ext cx="4855278" cy="369332"/>
+          </a:xfrm>
+          <a:prstGeom prst="rect">
+            <a:avLst/>
+          </a:prstGeom>
+          <a:noFill/>
+        </p:spPr>
+        <p:txBody>
+          <a:bodyPr wrap="square" rtlCol="0">
+            <a:spAutoFit/>
+          </a:bodyPr>
+          <a:lstStyle/>
+          <a:p>
+            <a:r>
+              <a:rPr lang="en-US" dirty="0" err="1">
+                <a:latin typeface="Work Sans" panose="00000500000000000000" pitchFamily="50" charset="0"/>
+              </a:rPr>
+              <a:t>QScrollArea</a:t>
+            </a:r>
+            <a:r>
+              <a:rPr lang="en-US" dirty="0">
+                <a:latin typeface="Work Sans" panose="00000500000000000000" pitchFamily="50" charset="0"/>
+              </a:rPr>
+              <a:t> </a:t>
+            </a:r>
+            <a:r>
+              <a:rPr lang="en-US" dirty="0" smtClean="0">
+                <a:latin typeface="Work Sans" panose="00000500000000000000" pitchFamily="50" charset="0"/>
+              </a:rPr>
+              <a:t>&gt;&gt;&gt; </a:t>
+            </a:r>
+            <a:r>
+              <a:rPr lang="en-US" dirty="0" err="1" smtClean="0">
+                <a:latin typeface="Work Sans" panose="00000500000000000000" pitchFamily="50" charset="0"/>
+              </a:rPr>
+              <a:t>self.scrollArea_keyboard</a:t>
+            </a:r>
+            <a:endParaRPr lang="en-US" dirty="0"/>
+          </a:p>
+        </p:txBody>
+      </p:sp>
+      <p:sp>
+        <p:nvSpPr>
+          <p:cNvPr id="15" name="Rectangle 14"/>
+          <p:cNvSpPr/>
+          <p:nvPr/>
+        </p:nvSpPr>
+        <p:spPr>
+          <a:xfrm>
+            <a:off x="2068962" y="3243603"/>
+            <a:ext cx="8594745" cy="2590527"/>
+          </a:xfrm>
+          <a:prstGeom prst="rect">
+            <a:avLst/>
+          </a:prstGeom>
+          <a:solidFill>
+            <a:schemeClr val="bg1">
+              <a:lumMod val="95000"/>
+            </a:schemeClr>
+          </a:solidFill>
+        </p:spPr>
+        <p:style>
+          <a:lnRef idx="2">
+            <a:schemeClr val="accent1">
+              <a:shade val="50000"/>
+            </a:schemeClr>
+          </a:lnRef>
+          <a:fillRef idx="1">
+            <a:schemeClr val="accent1"/>
+          </a:fillRef>
+          <a:effectRef idx="0">
+            <a:schemeClr val="accent1"/>
+          </a:effectRef>
+          <a:fontRef idx="minor">
+            <a:schemeClr val="lt1"/>
+          </a:fontRef>
+        </p:style>
+        <p:txBody>
+          <a:bodyPr rtlCol="0" anchor="ctr"/>
+          <a:lstStyle/>
+          <a:p>
+            <a:pPr algn="ctr"/>
+            <a:endParaRPr lang="en-US"/>
+          </a:p>
+        </p:txBody>
+      </p:sp>
+      <p:sp>
+        <p:nvSpPr>
+          <p:cNvPr id="16" name="TextBox 15"/>
+          <p:cNvSpPr txBox="1"/>
+          <p:nvPr/>
+        </p:nvSpPr>
+        <p:spPr>
+          <a:xfrm>
+            <a:off x="2161560" y="3243603"/>
+            <a:ext cx="5385460" cy="369332"/>
+          </a:xfrm>
+          <a:prstGeom prst="rect">
+            <a:avLst/>
+          </a:prstGeom>
+          <a:noFill/>
+        </p:spPr>
+        <p:txBody>
+          <a:bodyPr wrap="square" rtlCol="0">
+            <a:spAutoFit/>
+          </a:bodyPr>
+          <a:lstStyle/>
+          <a:p>
+            <a:r>
+              <a:rPr lang="en-US" dirty="0" err="1">
+                <a:latin typeface="Work Sans" panose="00000500000000000000" pitchFamily="50" charset="0"/>
+              </a:rPr>
+              <a:t>QWidget</a:t>
+            </a:r>
+            <a:r>
+              <a:rPr lang="en-US" dirty="0">
+                <a:latin typeface="Work Sans" panose="00000500000000000000" pitchFamily="50" charset="0"/>
+              </a:rPr>
+              <a:t> </a:t>
+            </a:r>
+            <a:r>
+              <a:rPr lang="en-US" dirty="0" smtClean="0">
+                <a:latin typeface="Work Sans" panose="00000500000000000000" pitchFamily="50" charset="0"/>
+              </a:rPr>
+              <a:t>&gt;&gt;&gt; </a:t>
+            </a:r>
+            <a:r>
+              <a:rPr lang="en-US" dirty="0" err="1" smtClean="0">
+                <a:latin typeface="Work Sans" panose="00000500000000000000" pitchFamily="50" charset="0"/>
+              </a:rPr>
+              <a:t>self.scrollWidget_keyboard</a:t>
+            </a:r>
+            <a:endParaRPr lang="en-US" dirty="0"/>
+          </a:p>
+        </p:txBody>
+      </p:sp>
+      <p:sp>
+        <p:nvSpPr>
+          <p:cNvPr id="17" name="Rectangle 16"/>
+          <p:cNvSpPr/>
+          <p:nvPr/>
+        </p:nvSpPr>
+        <p:spPr>
+          <a:xfrm>
+            <a:off x="2386504" y="3642850"/>
+            <a:ext cx="8122657" cy="2036734"/>
+          </a:xfrm>
+          <a:prstGeom prst="rect">
+            <a:avLst/>
+          </a:prstGeom>
+          <a:solidFill>
+            <a:schemeClr val="bg1">
+              <a:lumMod val="95000"/>
+            </a:schemeClr>
+          </a:solidFill>
+        </p:spPr>
+        <p:style>
+          <a:lnRef idx="2">
+            <a:schemeClr val="accent1">
+              <a:shade val="50000"/>
+            </a:schemeClr>
+          </a:lnRef>
+          <a:fillRef idx="1">
+            <a:schemeClr val="accent1"/>
+          </a:fillRef>
+          <a:effectRef idx="0">
+            <a:schemeClr val="accent1"/>
+          </a:effectRef>
+          <a:fontRef idx="minor">
+            <a:schemeClr val="lt1"/>
+          </a:fontRef>
+        </p:style>
+        <p:txBody>
+          <a:bodyPr rtlCol="0" anchor="ctr"/>
+          <a:lstStyle/>
+          <a:p>
+            <a:pPr algn="ctr"/>
+            <a:endParaRPr lang="en-US"/>
+          </a:p>
+        </p:txBody>
+      </p:sp>
+      <p:sp>
+        <p:nvSpPr>
+          <p:cNvPr id="19" name="Rectangle 18"/>
+          <p:cNvSpPr/>
+          <p:nvPr/>
+        </p:nvSpPr>
+        <p:spPr>
+          <a:xfrm>
+            <a:off x="2386504" y="4077879"/>
+            <a:ext cx="8122657" cy="1601705"/>
+          </a:xfrm>
+          <a:prstGeom prst="rect">
+            <a:avLst/>
+          </a:prstGeom>
+          <a:solidFill>
+            <a:schemeClr val="bg1">
+              <a:lumMod val="95000"/>
+            </a:schemeClr>
+          </a:solidFill>
+          <a:ln>
+            <a:prstDash val="dash"/>
+          </a:ln>
+        </p:spPr>
+        <p:style>
+          <a:lnRef idx="2">
+            <a:schemeClr val="accent1">
+              <a:shade val="50000"/>
+            </a:schemeClr>
+          </a:lnRef>
+          <a:fillRef idx="1">
+            <a:schemeClr val="accent1"/>
+          </a:fillRef>
+          <a:effectRef idx="0">
+            <a:schemeClr val="accent1"/>
+          </a:effectRef>
+          <a:fontRef idx="minor">
+            <a:schemeClr val="lt1"/>
+          </a:fontRef>
+        </p:style>
+        <p:txBody>
+          <a:bodyPr rtlCol="0" anchor="ctr"/>
+          <a:lstStyle/>
+          <a:p>
+            <a:pPr algn="ctr"/>
+            <a:endParaRPr lang="en-US"/>
+          </a:p>
+        </p:txBody>
+      </p:sp>
+      <p:sp>
+        <p:nvSpPr>
+          <p:cNvPr id="18" name="TextBox 17"/>
+          <p:cNvSpPr txBox="1"/>
+          <p:nvPr/>
+        </p:nvSpPr>
+        <p:spPr>
+          <a:xfrm>
+            <a:off x="2495366" y="3656662"/>
+            <a:ext cx="5592566" cy="369332"/>
+          </a:xfrm>
+          <a:prstGeom prst="rect">
+            <a:avLst/>
+          </a:prstGeom>
+          <a:noFill/>
+        </p:spPr>
+        <p:txBody>
+          <a:bodyPr wrap="square" rtlCol="0">
+            <a:spAutoFit/>
+          </a:bodyPr>
+          <a:lstStyle/>
+          <a:p>
+            <a:r>
+              <a:rPr lang="en-US" dirty="0" err="1" smtClean="0">
+                <a:latin typeface="Work Sans" panose="00000500000000000000" pitchFamily="50" charset="0"/>
+              </a:rPr>
+              <a:t>QHBoxLayout</a:t>
+            </a:r>
+            <a:r>
+              <a:rPr lang="en-US" dirty="0" smtClean="0">
+                <a:latin typeface="Work Sans" panose="00000500000000000000" pitchFamily="50" charset="0"/>
+              </a:rPr>
+              <a:t> </a:t>
+            </a:r>
+            <a:r>
+              <a:rPr lang="en-US" dirty="0" smtClean="0">
+                <a:latin typeface="Work Sans" panose="00000500000000000000" pitchFamily="50" charset="0"/>
+              </a:rPr>
+              <a:t>&gt;&gt;&gt; </a:t>
+            </a:r>
+            <a:r>
+              <a:rPr lang="en-US" dirty="0" smtClean="0">
+                <a:latin typeface="Work Sans" panose="00000500000000000000" pitchFamily="50" charset="0"/>
+              </a:rPr>
+              <a:t>self.horizLayout_keyboard_2</a:t>
+            </a:r>
+            <a:endParaRPr lang="en-US" dirty="0"/>
+          </a:p>
+        </p:txBody>
+      </p:sp>
+      <p:sp>
+        <p:nvSpPr>
+          <p:cNvPr id="20" name="TextBox 19"/>
+          <p:cNvSpPr txBox="1"/>
+          <p:nvPr/>
+        </p:nvSpPr>
+        <p:spPr>
+          <a:xfrm>
+            <a:off x="2495366" y="4124870"/>
+            <a:ext cx="4021344" cy="369332"/>
+          </a:xfrm>
+          <a:prstGeom prst="rect">
+            <a:avLst/>
+          </a:prstGeom>
+          <a:noFill/>
+        </p:spPr>
+        <p:txBody>
+          <a:bodyPr wrap="square" rtlCol="0">
+            <a:spAutoFit/>
+          </a:bodyPr>
+          <a:lstStyle/>
+          <a:p>
+            <a:r>
+              <a:rPr lang="en-US" dirty="0" err="1" smtClean="0">
+                <a:latin typeface="Work Sans" panose="00000500000000000000" pitchFamily="50" charset="0"/>
+              </a:rPr>
+              <a:t>QFrame</a:t>
+            </a:r>
+            <a:r>
+              <a:rPr lang="en-US" dirty="0" smtClean="0">
+                <a:latin typeface="Work Sans" panose="00000500000000000000" pitchFamily="50" charset="0"/>
+              </a:rPr>
+              <a:t> </a:t>
+            </a:r>
+            <a:r>
+              <a:rPr lang="en-US" dirty="0" smtClean="0">
+                <a:latin typeface="Work Sans" panose="00000500000000000000" pitchFamily="50" charset="0"/>
+              </a:rPr>
+              <a:t>&gt;&gt;&gt; </a:t>
+            </a:r>
+            <a:r>
+              <a:rPr lang="en-US" dirty="0" smtClean="0">
+                <a:latin typeface="Work Sans" panose="00000500000000000000" pitchFamily="50" charset="0"/>
+              </a:rPr>
+              <a:t>self.frame_2</a:t>
+            </a:r>
+            <a:endParaRPr lang="en-US" dirty="0"/>
+          </a:p>
+        </p:txBody>
+      </p:sp>
+    </p:spTree>
+    <p:extLst>
+      <p:ext uri="{BB962C8B-B14F-4D97-AF65-F5344CB8AC3E}">
+        <p14:creationId xmlns:p14="http://schemas.microsoft.com/office/powerpoint/2010/main" val="336548457"/>
+      </p:ext>
+    </p:extLst>
+  </p:cSld>
+  <p:clrMapOvr>
+    <a:masterClrMapping/>
+  </p:clrMapOvr>
+  <p:timing>
+    <p:tnLst>
+      <p:par>
+        <p:cTn id="1" dur="indefinite" restart="never" nodeType="tmRoot"/>
+      </p:par>
+    </p:tnLst>
+  </p:timing>
+</p:sld>
+</file>
+
 <file path=ppt/theme/theme1.xml><?xml version="1.0" encoding="utf-8"?>
 <a:theme xmlns:a="http://schemas.openxmlformats.org/drawingml/2006/main" name="Ion Boardroom">
   <a:themeElements>
